--- a/documents/화면정의서_와이어프레임/화면정의서.pptx
+++ b/documents/화면정의서_와이어프레임/화면정의서.pptx
@@ -113,6 +113,11 @@
       </a:defRPr>
     </a:lvl9pPr>
   </p:defaultTextStyle>
+  <p:extLst>
+    <p:ext uri="{EFAFB233-063F-42B5-8137-9DF3F51BA10A}">
+      <p15:sldGuideLst xmlns:p15="http://schemas.microsoft.com/office/powerpoint/2012/main"/>
+    </p:ext>
+  </p:extLst>
 </p:presentation>
 </file>
 
@@ -247,7 +252,7 @@
           <a:p>
             <a:fld id="{519DC54D-0942-4F9E-BECB-15BA5355B4B2}" type="datetimeFigureOut">
               <a:rPr lang="ko-KR" altLang="en-US" smtClean="0"/>
-              <a:t>2021-03-15</a:t>
+              <a:t>2021-04-06</a:t>
             </a:fld>
             <a:endParaRPr lang="ko-KR" altLang="en-US"/>
           </a:p>
@@ -417,7 +422,7 @@
           <a:p>
             <a:fld id="{519DC54D-0942-4F9E-BECB-15BA5355B4B2}" type="datetimeFigureOut">
               <a:rPr lang="ko-KR" altLang="en-US" smtClean="0"/>
-              <a:t>2021-03-15</a:t>
+              <a:t>2021-04-06</a:t>
             </a:fld>
             <a:endParaRPr lang="ko-KR" altLang="en-US"/>
           </a:p>
@@ -597,7 +602,7 @@
           <a:p>
             <a:fld id="{519DC54D-0942-4F9E-BECB-15BA5355B4B2}" type="datetimeFigureOut">
               <a:rPr lang="ko-KR" altLang="en-US" smtClean="0"/>
-              <a:t>2021-03-15</a:t>
+              <a:t>2021-04-06</a:t>
             </a:fld>
             <a:endParaRPr lang="ko-KR" altLang="en-US"/>
           </a:p>
@@ -767,7 +772,7 @@
           <a:p>
             <a:fld id="{519DC54D-0942-4F9E-BECB-15BA5355B4B2}" type="datetimeFigureOut">
               <a:rPr lang="ko-KR" altLang="en-US" smtClean="0"/>
-              <a:t>2021-03-15</a:t>
+              <a:t>2021-04-06</a:t>
             </a:fld>
             <a:endParaRPr lang="ko-KR" altLang="en-US"/>
           </a:p>
@@ -1013,7 +1018,7 @@
           <a:p>
             <a:fld id="{519DC54D-0942-4F9E-BECB-15BA5355B4B2}" type="datetimeFigureOut">
               <a:rPr lang="ko-KR" altLang="en-US" smtClean="0"/>
-              <a:t>2021-03-15</a:t>
+              <a:t>2021-04-06</a:t>
             </a:fld>
             <a:endParaRPr lang="ko-KR" altLang="en-US"/>
           </a:p>
@@ -1245,7 +1250,7 @@
           <a:p>
             <a:fld id="{519DC54D-0942-4F9E-BECB-15BA5355B4B2}" type="datetimeFigureOut">
               <a:rPr lang="ko-KR" altLang="en-US" smtClean="0"/>
-              <a:t>2021-03-15</a:t>
+              <a:t>2021-04-06</a:t>
             </a:fld>
             <a:endParaRPr lang="ko-KR" altLang="en-US"/>
           </a:p>
@@ -1612,7 +1617,7 @@
           <a:p>
             <a:fld id="{519DC54D-0942-4F9E-BECB-15BA5355B4B2}" type="datetimeFigureOut">
               <a:rPr lang="ko-KR" altLang="en-US" smtClean="0"/>
-              <a:t>2021-03-15</a:t>
+              <a:t>2021-04-06</a:t>
             </a:fld>
             <a:endParaRPr lang="ko-KR" altLang="en-US"/>
           </a:p>
@@ -1730,7 +1735,7 @@
           <a:p>
             <a:fld id="{519DC54D-0942-4F9E-BECB-15BA5355B4B2}" type="datetimeFigureOut">
               <a:rPr lang="ko-KR" altLang="en-US" smtClean="0"/>
-              <a:t>2021-03-15</a:t>
+              <a:t>2021-04-06</a:t>
             </a:fld>
             <a:endParaRPr lang="ko-KR" altLang="en-US"/>
           </a:p>
@@ -1825,7 +1830,7 @@
           <a:p>
             <a:fld id="{519DC54D-0942-4F9E-BECB-15BA5355B4B2}" type="datetimeFigureOut">
               <a:rPr lang="ko-KR" altLang="en-US" smtClean="0"/>
-              <a:t>2021-03-15</a:t>
+              <a:t>2021-04-06</a:t>
             </a:fld>
             <a:endParaRPr lang="ko-KR" altLang="en-US"/>
           </a:p>
@@ -2102,7 +2107,7 @@
           <a:p>
             <a:fld id="{519DC54D-0942-4F9E-BECB-15BA5355B4B2}" type="datetimeFigureOut">
               <a:rPr lang="ko-KR" altLang="en-US" smtClean="0"/>
-              <a:t>2021-03-15</a:t>
+              <a:t>2021-04-06</a:t>
             </a:fld>
             <a:endParaRPr lang="ko-KR" altLang="en-US"/>
           </a:p>
@@ -2355,7 +2360,7 @@
           <a:p>
             <a:fld id="{519DC54D-0942-4F9E-BECB-15BA5355B4B2}" type="datetimeFigureOut">
               <a:rPr lang="ko-KR" altLang="en-US" smtClean="0"/>
-              <a:t>2021-03-15</a:t>
+              <a:t>2021-04-06</a:t>
             </a:fld>
             <a:endParaRPr lang="ko-KR" altLang="en-US"/>
           </a:p>
@@ -2568,7 +2573,7 @@
           <a:p>
             <a:fld id="{519DC54D-0942-4F9E-BECB-15BA5355B4B2}" type="datetimeFigureOut">
               <a:rPr lang="ko-KR" altLang="en-US" smtClean="0"/>
-              <a:t>2021-03-15</a:t>
+              <a:t>2021-04-06</a:t>
             </a:fld>
             <a:endParaRPr lang="ko-KR" altLang="en-US"/>
           </a:p>
@@ -3676,546 +3681,6 @@
           </a:p>
         </p:txBody>
       </p:sp>
-      <p:sp>
-        <p:nvSpPr>
-          <p:cNvPr id="15" name="순서도: 연결자 14"/>
-          <p:cNvSpPr/>
-          <p:nvPr/>
-        </p:nvSpPr>
-        <p:spPr>
-          <a:xfrm>
-            <a:off x="4252989" y="-638631"/>
-            <a:ext cx="305301" cy="336883"/>
-          </a:xfrm>
-          <a:prstGeom prst="flowChartConnector">
-            <a:avLst/>
-          </a:prstGeom>
-          <a:solidFill>
-            <a:srgbClr val="FF0000"/>
-          </a:solidFill>
-          <a:ln>
-            <a:solidFill>
-              <a:srgbClr val="FF0000"/>
-            </a:solidFill>
-          </a:ln>
-        </p:spPr>
-        <p:style>
-          <a:lnRef idx="2">
-            <a:schemeClr val="accent1">
-              <a:shade val="50000"/>
-            </a:schemeClr>
-          </a:lnRef>
-          <a:fillRef idx="1">
-            <a:schemeClr val="accent1"/>
-          </a:fillRef>
-          <a:effectRef idx="0">
-            <a:schemeClr val="accent1"/>
-          </a:effectRef>
-          <a:fontRef idx="minor">
-            <a:schemeClr val="lt1"/>
-          </a:fontRef>
-        </p:style>
-        <p:txBody>
-          <a:bodyPr rtlCol="0" anchor="ctr"/>
-          <a:lstStyle/>
-          <a:p>
-            <a:pPr algn="ctr"/>
-            <a:r>
-              <a:rPr lang="en-US" altLang="ko-KR" dirty="0">
-                <a:solidFill>
-                  <a:schemeClr val="bg1"/>
-                </a:solidFill>
-              </a:rPr>
-              <a:t>8</a:t>
-            </a:r>
-            <a:endParaRPr lang="ko-KR" altLang="en-US" dirty="0">
-              <a:solidFill>
-                <a:srgbClr val="FF0000"/>
-              </a:solidFill>
-            </a:endParaRPr>
-          </a:p>
-        </p:txBody>
-      </p:sp>
-      <p:sp>
-        <p:nvSpPr>
-          <p:cNvPr id="16" name="순서도: 연결자 15"/>
-          <p:cNvSpPr/>
-          <p:nvPr/>
-        </p:nvSpPr>
-        <p:spPr>
-          <a:xfrm>
-            <a:off x="3750007" y="-648605"/>
-            <a:ext cx="305301" cy="336883"/>
-          </a:xfrm>
-          <a:prstGeom prst="flowChartConnector">
-            <a:avLst/>
-          </a:prstGeom>
-          <a:solidFill>
-            <a:srgbClr val="FF0000"/>
-          </a:solidFill>
-          <a:ln>
-            <a:solidFill>
-              <a:srgbClr val="FF0000"/>
-            </a:solidFill>
-          </a:ln>
-        </p:spPr>
-        <p:style>
-          <a:lnRef idx="2">
-            <a:schemeClr val="accent1">
-              <a:shade val="50000"/>
-            </a:schemeClr>
-          </a:lnRef>
-          <a:fillRef idx="1">
-            <a:schemeClr val="accent1"/>
-          </a:fillRef>
-          <a:effectRef idx="0">
-            <a:schemeClr val="accent1"/>
-          </a:effectRef>
-          <a:fontRef idx="minor">
-            <a:schemeClr val="lt1"/>
-          </a:fontRef>
-        </p:style>
-        <p:txBody>
-          <a:bodyPr rtlCol="0" anchor="ctr"/>
-          <a:lstStyle/>
-          <a:p>
-            <a:pPr algn="ctr"/>
-            <a:r>
-              <a:rPr lang="en-US" altLang="ko-KR" dirty="0">
-                <a:solidFill>
-                  <a:schemeClr val="bg1"/>
-                </a:solidFill>
-              </a:rPr>
-              <a:t>7</a:t>
-            </a:r>
-            <a:endParaRPr lang="ko-KR" altLang="en-US" dirty="0">
-              <a:solidFill>
-                <a:srgbClr val="FF0000"/>
-              </a:solidFill>
-            </a:endParaRPr>
-          </a:p>
-        </p:txBody>
-      </p:sp>
-      <p:sp>
-        <p:nvSpPr>
-          <p:cNvPr id="17" name="순서도: 연결자 16"/>
-          <p:cNvSpPr/>
-          <p:nvPr/>
-        </p:nvSpPr>
-        <p:spPr>
-          <a:xfrm>
-            <a:off x="4674014" y="-617622"/>
-            <a:ext cx="305301" cy="336883"/>
-          </a:xfrm>
-          <a:prstGeom prst="flowChartConnector">
-            <a:avLst/>
-          </a:prstGeom>
-          <a:solidFill>
-            <a:srgbClr val="FF0000"/>
-          </a:solidFill>
-          <a:ln>
-            <a:solidFill>
-              <a:srgbClr val="FF0000"/>
-            </a:solidFill>
-          </a:ln>
-        </p:spPr>
-        <p:style>
-          <a:lnRef idx="2">
-            <a:schemeClr val="accent1">
-              <a:shade val="50000"/>
-            </a:schemeClr>
-          </a:lnRef>
-          <a:fillRef idx="1">
-            <a:schemeClr val="accent1"/>
-          </a:fillRef>
-          <a:effectRef idx="0">
-            <a:schemeClr val="accent1"/>
-          </a:effectRef>
-          <a:fontRef idx="minor">
-            <a:schemeClr val="lt1"/>
-          </a:fontRef>
-        </p:style>
-        <p:txBody>
-          <a:bodyPr rtlCol="0" anchor="ctr"/>
-          <a:lstStyle/>
-          <a:p>
-            <a:pPr algn="ctr"/>
-            <a:r>
-              <a:rPr lang="en-US" altLang="ko-KR" dirty="0">
-                <a:solidFill>
-                  <a:schemeClr val="bg1"/>
-                </a:solidFill>
-              </a:rPr>
-              <a:t>9</a:t>
-            </a:r>
-            <a:endParaRPr lang="ko-KR" altLang="en-US" dirty="0">
-              <a:solidFill>
-                <a:srgbClr val="FF0000"/>
-              </a:solidFill>
-            </a:endParaRPr>
-          </a:p>
-        </p:txBody>
-      </p:sp>
-      <p:sp>
-        <p:nvSpPr>
-          <p:cNvPr id="18" name="순서도: 연결자 17"/>
-          <p:cNvSpPr/>
-          <p:nvPr/>
-        </p:nvSpPr>
-        <p:spPr>
-          <a:xfrm>
-            <a:off x="807198" y="-635224"/>
-            <a:ext cx="305301" cy="336883"/>
-          </a:xfrm>
-          <a:prstGeom prst="flowChartConnector">
-            <a:avLst/>
-          </a:prstGeom>
-          <a:solidFill>
-            <a:srgbClr val="FF0000"/>
-          </a:solidFill>
-          <a:ln>
-            <a:solidFill>
-              <a:srgbClr val="FF0000"/>
-            </a:solidFill>
-          </a:ln>
-        </p:spPr>
-        <p:style>
-          <a:lnRef idx="2">
-            <a:schemeClr val="accent1">
-              <a:shade val="50000"/>
-            </a:schemeClr>
-          </a:lnRef>
-          <a:fillRef idx="1">
-            <a:schemeClr val="accent1"/>
-          </a:fillRef>
-          <a:effectRef idx="0">
-            <a:schemeClr val="accent1"/>
-          </a:effectRef>
-          <a:fontRef idx="minor">
-            <a:schemeClr val="lt1"/>
-          </a:fontRef>
-        </p:style>
-        <p:txBody>
-          <a:bodyPr rtlCol="0" anchor="ctr"/>
-          <a:lstStyle/>
-          <a:p>
-            <a:pPr algn="ctr"/>
-            <a:r>
-              <a:rPr lang="en-US" altLang="ko-KR" dirty="0" smtClean="0">
-                <a:solidFill>
-                  <a:schemeClr val="bg1"/>
-                </a:solidFill>
-              </a:rPr>
-              <a:t>1</a:t>
-            </a:r>
-            <a:endParaRPr lang="ko-KR" altLang="en-US" dirty="0">
-              <a:solidFill>
-                <a:srgbClr val="FF0000"/>
-              </a:solidFill>
-            </a:endParaRPr>
-          </a:p>
-        </p:txBody>
-      </p:sp>
-      <p:sp>
-        <p:nvSpPr>
-          <p:cNvPr id="20" name="순서도: 연결자 19"/>
-          <p:cNvSpPr/>
-          <p:nvPr/>
-        </p:nvSpPr>
-        <p:spPr>
-          <a:xfrm>
-            <a:off x="1251466" y="-617621"/>
-            <a:ext cx="305301" cy="336883"/>
-          </a:xfrm>
-          <a:prstGeom prst="flowChartConnector">
-            <a:avLst/>
-          </a:prstGeom>
-          <a:solidFill>
-            <a:srgbClr val="FF0000"/>
-          </a:solidFill>
-          <a:ln>
-            <a:solidFill>
-              <a:srgbClr val="FF0000"/>
-            </a:solidFill>
-          </a:ln>
-        </p:spPr>
-        <p:style>
-          <a:lnRef idx="2">
-            <a:schemeClr val="accent1">
-              <a:shade val="50000"/>
-            </a:schemeClr>
-          </a:lnRef>
-          <a:fillRef idx="1">
-            <a:schemeClr val="accent1"/>
-          </a:fillRef>
-          <a:effectRef idx="0">
-            <a:schemeClr val="accent1"/>
-          </a:effectRef>
-          <a:fontRef idx="minor">
-            <a:schemeClr val="lt1"/>
-          </a:fontRef>
-        </p:style>
-        <p:txBody>
-          <a:bodyPr rtlCol="0" anchor="ctr"/>
-          <a:lstStyle/>
-          <a:p>
-            <a:pPr algn="ctr"/>
-            <a:r>
-              <a:rPr lang="en-US" altLang="ko-KR" dirty="0">
-                <a:solidFill>
-                  <a:schemeClr val="bg1"/>
-                </a:solidFill>
-              </a:rPr>
-              <a:t>2</a:t>
-            </a:r>
-            <a:endParaRPr lang="ko-KR" altLang="en-US" dirty="0">
-              <a:solidFill>
-                <a:srgbClr val="FF0000"/>
-              </a:solidFill>
-            </a:endParaRPr>
-          </a:p>
-        </p:txBody>
-      </p:sp>
-      <p:sp>
-        <p:nvSpPr>
-          <p:cNvPr id="21" name="순서도: 연결자 20"/>
-          <p:cNvSpPr/>
-          <p:nvPr/>
-        </p:nvSpPr>
-        <p:spPr>
-          <a:xfrm>
-            <a:off x="1772059" y="-625747"/>
-            <a:ext cx="305301" cy="336883"/>
-          </a:xfrm>
-          <a:prstGeom prst="flowChartConnector">
-            <a:avLst/>
-          </a:prstGeom>
-          <a:solidFill>
-            <a:srgbClr val="FF0000"/>
-          </a:solidFill>
-          <a:ln>
-            <a:solidFill>
-              <a:srgbClr val="FF0000"/>
-            </a:solidFill>
-          </a:ln>
-        </p:spPr>
-        <p:style>
-          <a:lnRef idx="2">
-            <a:schemeClr val="accent1">
-              <a:shade val="50000"/>
-            </a:schemeClr>
-          </a:lnRef>
-          <a:fillRef idx="1">
-            <a:schemeClr val="accent1"/>
-          </a:fillRef>
-          <a:effectRef idx="0">
-            <a:schemeClr val="accent1"/>
-          </a:effectRef>
-          <a:fontRef idx="minor">
-            <a:schemeClr val="lt1"/>
-          </a:fontRef>
-        </p:style>
-        <p:txBody>
-          <a:bodyPr rtlCol="0" anchor="ctr"/>
-          <a:lstStyle/>
-          <a:p>
-            <a:pPr algn="ctr"/>
-            <a:r>
-              <a:rPr lang="en-US" altLang="ko-KR" dirty="0" smtClean="0">
-                <a:solidFill>
-                  <a:schemeClr val="bg1"/>
-                </a:solidFill>
-              </a:rPr>
-              <a:t>3</a:t>
-            </a:r>
-            <a:endParaRPr lang="ko-KR" altLang="en-US" dirty="0">
-              <a:solidFill>
-                <a:srgbClr val="FF0000"/>
-              </a:solidFill>
-            </a:endParaRPr>
-          </a:p>
-        </p:txBody>
-      </p:sp>
-      <p:sp>
-        <p:nvSpPr>
-          <p:cNvPr id="23" name="순서도: 연결자 22"/>
-          <p:cNvSpPr/>
-          <p:nvPr/>
-        </p:nvSpPr>
-        <p:spPr>
-          <a:xfrm>
-            <a:off x="2323018" y="-638630"/>
-            <a:ext cx="305301" cy="336883"/>
-          </a:xfrm>
-          <a:prstGeom prst="flowChartConnector">
-            <a:avLst/>
-          </a:prstGeom>
-          <a:solidFill>
-            <a:srgbClr val="FF0000"/>
-          </a:solidFill>
-          <a:ln>
-            <a:solidFill>
-              <a:srgbClr val="FF0000"/>
-            </a:solidFill>
-          </a:ln>
-        </p:spPr>
-        <p:style>
-          <a:lnRef idx="2">
-            <a:schemeClr val="accent1">
-              <a:shade val="50000"/>
-            </a:schemeClr>
-          </a:lnRef>
-          <a:fillRef idx="1">
-            <a:schemeClr val="accent1"/>
-          </a:fillRef>
-          <a:effectRef idx="0">
-            <a:schemeClr val="accent1"/>
-          </a:effectRef>
-          <a:fontRef idx="minor">
-            <a:schemeClr val="lt1"/>
-          </a:fontRef>
-        </p:style>
-        <p:txBody>
-          <a:bodyPr rtlCol="0" anchor="ctr"/>
-          <a:lstStyle/>
-          <a:p>
-            <a:pPr algn="ctr"/>
-            <a:r>
-              <a:rPr lang="en-US" altLang="ko-KR" dirty="0" smtClean="0">
-                <a:solidFill>
-                  <a:schemeClr val="bg1"/>
-                </a:solidFill>
-              </a:rPr>
-              <a:t>4</a:t>
-            </a:r>
-            <a:endParaRPr lang="ko-KR" altLang="en-US" dirty="0">
-              <a:solidFill>
-                <a:srgbClr val="FF0000"/>
-              </a:solidFill>
-            </a:endParaRPr>
-          </a:p>
-        </p:txBody>
-      </p:sp>
-      <p:sp>
-        <p:nvSpPr>
-          <p:cNvPr id="24" name="순서도: 연결자 23"/>
-          <p:cNvSpPr/>
-          <p:nvPr/>
-        </p:nvSpPr>
-        <p:spPr>
-          <a:xfrm>
-            <a:off x="2792485" y="-617622"/>
-            <a:ext cx="305301" cy="336883"/>
-          </a:xfrm>
-          <a:prstGeom prst="flowChartConnector">
-            <a:avLst/>
-          </a:prstGeom>
-          <a:solidFill>
-            <a:srgbClr val="FF0000"/>
-          </a:solidFill>
-          <a:ln>
-            <a:solidFill>
-              <a:srgbClr val="FF0000"/>
-            </a:solidFill>
-          </a:ln>
-        </p:spPr>
-        <p:style>
-          <a:lnRef idx="2">
-            <a:schemeClr val="accent1">
-              <a:shade val="50000"/>
-            </a:schemeClr>
-          </a:lnRef>
-          <a:fillRef idx="1">
-            <a:schemeClr val="accent1"/>
-          </a:fillRef>
-          <a:effectRef idx="0">
-            <a:schemeClr val="accent1"/>
-          </a:effectRef>
-          <a:fontRef idx="minor">
-            <a:schemeClr val="lt1"/>
-          </a:fontRef>
-        </p:style>
-        <p:txBody>
-          <a:bodyPr rtlCol="0" anchor="ctr"/>
-          <a:lstStyle/>
-          <a:p>
-            <a:pPr algn="ctr"/>
-            <a:r>
-              <a:rPr lang="en-US" altLang="ko-KR" dirty="0" smtClean="0">
-                <a:solidFill>
-                  <a:schemeClr val="bg1"/>
-                </a:solidFill>
-              </a:rPr>
-              <a:t>5</a:t>
-            </a:r>
-            <a:endParaRPr lang="ko-KR" altLang="en-US" dirty="0">
-              <a:solidFill>
-                <a:srgbClr val="FF0000"/>
-              </a:solidFill>
-            </a:endParaRPr>
-          </a:p>
-        </p:txBody>
-      </p:sp>
-      <p:sp>
-        <p:nvSpPr>
-          <p:cNvPr id="25" name="순서도: 연결자 24"/>
-          <p:cNvSpPr/>
-          <p:nvPr/>
-        </p:nvSpPr>
-        <p:spPr>
-          <a:xfrm>
-            <a:off x="3247025" y="-625748"/>
-            <a:ext cx="305301" cy="336883"/>
-          </a:xfrm>
-          <a:prstGeom prst="flowChartConnector">
-            <a:avLst/>
-          </a:prstGeom>
-          <a:solidFill>
-            <a:srgbClr val="FF0000"/>
-          </a:solidFill>
-          <a:ln>
-            <a:solidFill>
-              <a:srgbClr val="FF0000"/>
-            </a:solidFill>
-          </a:ln>
-        </p:spPr>
-        <p:style>
-          <a:lnRef idx="2">
-            <a:schemeClr val="accent1">
-              <a:shade val="50000"/>
-            </a:schemeClr>
-          </a:lnRef>
-          <a:fillRef idx="1">
-            <a:schemeClr val="accent1"/>
-          </a:fillRef>
-          <a:effectRef idx="0">
-            <a:schemeClr val="accent1"/>
-          </a:effectRef>
-          <a:fontRef idx="minor">
-            <a:schemeClr val="lt1"/>
-          </a:fontRef>
-        </p:style>
-        <p:txBody>
-          <a:bodyPr rtlCol="0" anchor="ctr"/>
-          <a:lstStyle/>
-          <a:p>
-            <a:pPr algn="ctr"/>
-            <a:r>
-              <a:rPr lang="en-US" altLang="ko-KR" dirty="0" smtClean="0">
-                <a:solidFill>
-                  <a:schemeClr val="bg1"/>
-                </a:solidFill>
-              </a:rPr>
-              <a:t>6</a:t>
-            </a:r>
-            <a:endParaRPr lang="ko-KR" altLang="en-US" dirty="0">
-              <a:solidFill>
-                <a:srgbClr val="FF0000"/>
-              </a:solidFill>
-            </a:endParaRPr>
-          </a:p>
-        </p:txBody>
-      </p:sp>
     </p:spTree>
     <p:extLst>
       <p:ext uri="{BB962C8B-B14F-4D97-AF65-F5344CB8AC3E}">
@@ -4470,7 +3935,7 @@
         </p:nvSpPr>
         <p:spPr>
           <a:xfrm>
-            <a:off x="-152651" y="3143608"/>
+            <a:off x="1069257" y="3041128"/>
             <a:ext cx="305301" cy="336883"/>
           </a:xfrm>
           <a:prstGeom prst="flowChartConnector">
@@ -9383,7 +8848,7 @@
         </p:nvSpPr>
         <p:spPr>
           <a:xfrm>
-            <a:off x="-99693" y="2333169"/>
+            <a:off x="876253" y="2408378"/>
             <a:ext cx="305301" cy="336883"/>
           </a:xfrm>
           <a:prstGeom prst="flowChartConnector">
@@ -10593,7 +10058,7 @@
         </p:nvSpPr>
         <p:spPr>
           <a:xfrm>
-            <a:off x="-91017" y="2890200"/>
+            <a:off x="1113529" y="3002991"/>
             <a:ext cx="305301" cy="336883"/>
           </a:xfrm>
           <a:prstGeom prst="flowChartConnector">
